--- a/Wireframe.pptx
+++ b/Wireframe.pptx
@@ -6,6 +6,7 @@
   </p:sldMasterIdLst>
   <p:sldIdLst>
     <p:sldId id="256" r:id="rId2"/>
+    <p:sldId id="257" r:id="rId3"/>
   </p:sldIdLst>
   <p:sldSz cx="12192000" cy="6858000"/>
   <p:notesSz cx="6858000" cy="9144000"/>
@@ -104,6 +105,11 @@
       </a:defRPr>
     </a:lvl9pPr>
   </p:defaultTextStyle>
+  <p:extLst>
+    <p:ext uri="{EFAFB233-063F-42B5-8137-9DF3F51BA10A}">
+      <p15:sldGuideLst xmlns:p15="http://schemas.microsoft.com/office/powerpoint/2012/main"/>
+    </p:ext>
+  </p:extLst>
 </p:presentation>
 </file>
 
@@ -4104,6 +4110,1815 @@
 </p:sld>
 </file>
 
+<file path=ppt/slides/slide2.xml><?xml version="1.0" encoding="utf-8"?>
+<p:sld xmlns:a="http://schemas.openxmlformats.org/drawingml/2006/main" xmlns:r="http://schemas.openxmlformats.org/officeDocument/2006/relationships" xmlns:p="http://schemas.openxmlformats.org/presentationml/2006/main">
+  <p:cSld>
+    <p:spTree>
+      <p:nvGrpSpPr>
+        <p:cNvPr id="1" name=""/>
+        <p:cNvGrpSpPr/>
+        <p:nvPr/>
+      </p:nvGrpSpPr>
+      <p:grpSpPr>
+        <a:xfrm>
+          <a:off x="0" y="0"/>
+          <a:ext cx="0" cy="0"/>
+          <a:chOff x="0" y="0"/>
+          <a:chExt cx="0" cy="0"/>
+        </a:xfrm>
+      </p:grpSpPr>
+      <p:grpSp>
+        <p:nvGrpSpPr>
+          <p:cNvPr id="24" name="Group 23">
+            <a:extLst>
+              <a:ext uri="{FF2B5EF4-FFF2-40B4-BE49-F238E27FC236}">
+                <a16:creationId xmlns:a16="http://schemas.microsoft.com/office/drawing/2014/main" id="{CE69D8C2-BA05-3A4D-A4B3-E07C2596C298}"/>
+              </a:ext>
+            </a:extLst>
+          </p:cNvPr>
+          <p:cNvGrpSpPr/>
+          <p:nvPr/>
+        </p:nvGrpSpPr>
+        <p:grpSpPr>
+          <a:xfrm>
+            <a:off x="4091940" y="442437"/>
+            <a:ext cx="2586038" cy="4026693"/>
+            <a:chOff x="3514727" y="339567"/>
+            <a:chExt cx="3243261" cy="5398293"/>
+          </a:xfrm>
+        </p:grpSpPr>
+        <p:cxnSp>
+          <p:nvCxnSpPr>
+            <p:cNvPr id="7" name="Straight Connector 6">
+              <a:extLst>
+                <a:ext uri="{FF2B5EF4-FFF2-40B4-BE49-F238E27FC236}">
+                  <a16:creationId xmlns:a16="http://schemas.microsoft.com/office/drawing/2014/main" id="{01E0524C-0BCD-E147-85FB-421B80A0F482}"/>
+                </a:ext>
+              </a:extLst>
+            </p:cNvPr>
+            <p:cNvCxnSpPr>
+              <a:stCxn id="4" idx="4"/>
+            </p:cNvCxnSpPr>
+            <p:nvPr/>
+          </p:nvCxnSpPr>
+          <p:spPr>
+            <a:xfrm flipH="1">
+              <a:off x="5500688" y="2400300"/>
+              <a:ext cx="8572" cy="1894523"/>
+            </a:xfrm>
+            <a:prstGeom prst="line">
+              <a:avLst/>
+            </a:prstGeom>
+          </p:spPr>
+          <p:style>
+            <a:lnRef idx="1">
+              <a:schemeClr val="accent1"/>
+            </a:lnRef>
+            <a:fillRef idx="0">
+              <a:schemeClr val="accent1"/>
+            </a:fillRef>
+            <a:effectRef idx="0">
+              <a:schemeClr val="accent1"/>
+            </a:effectRef>
+            <a:fontRef idx="minor">
+              <a:schemeClr val="tx1"/>
+            </a:fontRef>
+          </p:style>
+        </p:cxnSp>
+        <p:cxnSp>
+          <p:nvCxnSpPr>
+            <p:cNvPr id="9" name="Straight Connector 8">
+              <a:extLst>
+                <a:ext uri="{FF2B5EF4-FFF2-40B4-BE49-F238E27FC236}">
+                  <a16:creationId xmlns:a16="http://schemas.microsoft.com/office/drawing/2014/main" id="{59AD9289-75D3-CA41-A03F-D6AD30AD179B}"/>
+                </a:ext>
+              </a:extLst>
+            </p:cNvPr>
+            <p:cNvCxnSpPr/>
+            <p:nvPr/>
+          </p:nvCxnSpPr>
+          <p:spPr>
+            <a:xfrm flipH="1">
+              <a:off x="4714874" y="3066098"/>
+              <a:ext cx="742950" cy="814388"/>
+            </a:xfrm>
+            <a:prstGeom prst="line">
+              <a:avLst/>
+            </a:prstGeom>
+          </p:spPr>
+          <p:style>
+            <a:lnRef idx="1">
+              <a:schemeClr val="accent1"/>
+            </a:lnRef>
+            <a:fillRef idx="0">
+              <a:schemeClr val="accent1"/>
+            </a:fillRef>
+            <a:effectRef idx="0">
+              <a:schemeClr val="accent1"/>
+            </a:effectRef>
+            <a:fontRef idx="minor">
+              <a:schemeClr val="tx1"/>
+            </a:fontRef>
+          </p:style>
+        </p:cxnSp>
+        <p:cxnSp>
+          <p:nvCxnSpPr>
+            <p:cNvPr id="10" name="Straight Connector 9">
+              <a:extLst>
+                <a:ext uri="{FF2B5EF4-FFF2-40B4-BE49-F238E27FC236}">
+                  <a16:creationId xmlns:a16="http://schemas.microsoft.com/office/drawing/2014/main" id="{6462C7A7-EECC-A142-88D5-E48D3A4F4A66}"/>
+                </a:ext>
+              </a:extLst>
+            </p:cNvPr>
+            <p:cNvCxnSpPr>
+              <a:cxnSpLocks/>
+            </p:cNvCxnSpPr>
+            <p:nvPr/>
+          </p:nvCxnSpPr>
+          <p:spPr>
+            <a:xfrm>
+              <a:off x="5557838" y="3051810"/>
+              <a:ext cx="714375" cy="657225"/>
+            </a:xfrm>
+            <a:prstGeom prst="line">
+              <a:avLst/>
+            </a:prstGeom>
+          </p:spPr>
+          <p:style>
+            <a:lnRef idx="1">
+              <a:schemeClr val="accent1"/>
+            </a:lnRef>
+            <a:fillRef idx="0">
+              <a:schemeClr val="accent1"/>
+            </a:fillRef>
+            <a:effectRef idx="0">
+              <a:schemeClr val="accent1"/>
+            </a:effectRef>
+            <a:fontRef idx="minor">
+              <a:schemeClr val="tx1"/>
+            </a:fontRef>
+          </p:style>
+        </p:cxnSp>
+        <p:cxnSp>
+          <p:nvCxnSpPr>
+            <p:cNvPr id="14" name="Straight Connector 13">
+              <a:extLst>
+                <a:ext uri="{FF2B5EF4-FFF2-40B4-BE49-F238E27FC236}">
+                  <a16:creationId xmlns:a16="http://schemas.microsoft.com/office/drawing/2014/main" id="{95F0EE32-FE3B-024B-ADA4-23132C3C5071}"/>
+                </a:ext>
+              </a:extLst>
+            </p:cNvPr>
+            <p:cNvCxnSpPr/>
+            <p:nvPr/>
+          </p:nvCxnSpPr>
+          <p:spPr>
+            <a:xfrm flipH="1">
+              <a:off x="4643438" y="4366260"/>
+              <a:ext cx="785812" cy="857250"/>
+            </a:xfrm>
+            <a:prstGeom prst="line">
+              <a:avLst/>
+            </a:prstGeom>
+          </p:spPr>
+          <p:style>
+            <a:lnRef idx="1">
+              <a:schemeClr val="accent1"/>
+            </a:lnRef>
+            <a:fillRef idx="0">
+              <a:schemeClr val="accent1"/>
+            </a:fillRef>
+            <a:effectRef idx="0">
+              <a:schemeClr val="accent1"/>
+            </a:effectRef>
+            <a:fontRef idx="minor">
+              <a:schemeClr val="tx1"/>
+            </a:fontRef>
+          </p:style>
+        </p:cxnSp>
+        <p:cxnSp>
+          <p:nvCxnSpPr>
+            <p:cNvPr id="16" name="Straight Connector 15">
+              <a:extLst>
+                <a:ext uri="{FF2B5EF4-FFF2-40B4-BE49-F238E27FC236}">
+                  <a16:creationId xmlns:a16="http://schemas.microsoft.com/office/drawing/2014/main" id="{7AB41A77-E057-6248-A5A6-516836D5A35E}"/>
+                </a:ext>
+              </a:extLst>
+            </p:cNvPr>
+            <p:cNvCxnSpPr/>
+            <p:nvPr/>
+          </p:nvCxnSpPr>
+          <p:spPr>
+            <a:xfrm>
+              <a:off x="5600700" y="4337686"/>
+              <a:ext cx="700088" cy="800100"/>
+            </a:xfrm>
+            <a:prstGeom prst="line">
+              <a:avLst/>
+            </a:prstGeom>
+          </p:spPr>
+          <p:style>
+            <a:lnRef idx="1">
+              <a:schemeClr val="accent1"/>
+            </a:lnRef>
+            <a:fillRef idx="0">
+              <a:schemeClr val="accent1"/>
+            </a:fillRef>
+            <a:effectRef idx="0">
+              <a:schemeClr val="accent1"/>
+            </a:effectRef>
+            <a:fontRef idx="minor">
+              <a:schemeClr val="tx1"/>
+            </a:fontRef>
+          </p:style>
+        </p:cxnSp>
+        <p:sp>
+          <p:nvSpPr>
+            <p:cNvPr id="18" name="Rectangle 17">
+              <a:extLst>
+                <a:ext uri="{FF2B5EF4-FFF2-40B4-BE49-F238E27FC236}">
+                  <a16:creationId xmlns:a16="http://schemas.microsoft.com/office/drawing/2014/main" id="{8AFE322C-60A0-8B42-8739-65C199FCA21A}"/>
+                </a:ext>
+              </a:extLst>
+            </p:cNvPr>
+            <p:cNvSpPr/>
+            <p:nvPr/>
+          </p:nvSpPr>
+          <p:spPr>
+            <a:xfrm>
+              <a:off x="3514727" y="422910"/>
+              <a:ext cx="214312" cy="5314950"/>
+            </a:xfrm>
+            <a:prstGeom prst="rect">
+              <a:avLst/>
+            </a:prstGeom>
+          </p:spPr>
+          <p:style>
+            <a:lnRef idx="2">
+              <a:schemeClr val="accent1">
+                <a:shade val="50000"/>
+              </a:schemeClr>
+            </a:lnRef>
+            <a:fillRef idx="1">
+              <a:schemeClr val="accent1"/>
+            </a:fillRef>
+            <a:effectRef idx="0">
+              <a:schemeClr val="accent1"/>
+            </a:effectRef>
+            <a:fontRef idx="minor">
+              <a:schemeClr val="lt1"/>
+            </a:fontRef>
+          </p:style>
+          <p:txBody>
+            <a:bodyPr rtlCol="0" anchor="ctr"/>
+            <a:lstStyle/>
+            <a:p>
+              <a:pPr algn="ctr"/>
+              <a:endParaRPr lang="en-US"/>
+            </a:p>
+          </p:txBody>
+        </p:sp>
+        <p:sp>
+          <p:nvSpPr>
+            <p:cNvPr id="19" name="Rectangle 18">
+              <a:extLst>
+                <a:ext uri="{FF2B5EF4-FFF2-40B4-BE49-F238E27FC236}">
+                  <a16:creationId xmlns:a16="http://schemas.microsoft.com/office/drawing/2014/main" id="{C02F7D53-1029-734D-81F6-64096CF5C66B}"/>
+                </a:ext>
+              </a:extLst>
+            </p:cNvPr>
+            <p:cNvSpPr/>
+            <p:nvPr/>
+          </p:nvSpPr>
+          <p:spPr>
+            <a:xfrm rot="16200000">
+              <a:off x="5060157" y="-1203482"/>
+              <a:ext cx="154781" cy="3240880"/>
+            </a:xfrm>
+            <a:prstGeom prst="rect">
+              <a:avLst/>
+            </a:prstGeom>
+          </p:spPr>
+          <p:style>
+            <a:lnRef idx="2">
+              <a:schemeClr val="accent1">
+                <a:shade val="50000"/>
+              </a:schemeClr>
+            </a:lnRef>
+            <a:fillRef idx="1">
+              <a:schemeClr val="accent1"/>
+            </a:fillRef>
+            <a:effectRef idx="0">
+              <a:schemeClr val="accent1"/>
+            </a:effectRef>
+            <a:fontRef idx="minor">
+              <a:schemeClr val="lt1"/>
+            </a:fontRef>
+          </p:style>
+          <p:txBody>
+            <a:bodyPr rtlCol="0" anchor="ctr"/>
+            <a:lstStyle/>
+            <a:p>
+              <a:pPr algn="ctr"/>
+              <a:endParaRPr lang="en-US"/>
+            </a:p>
+          </p:txBody>
+        </p:sp>
+        <p:cxnSp>
+          <p:nvCxnSpPr>
+            <p:cNvPr id="21" name="Straight Connector 20">
+              <a:extLst>
+                <a:ext uri="{FF2B5EF4-FFF2-40B4-BE49-F238E27FC236}">
+                  <a16:creationId xmlns:a16="http://schemas.microsoft.com/office/drawing/2014/main" id="{326D0498-177D-7649-ACC8-184F1BBC367F}"/>
+                </a:ext>
+              </a:extLst>
+            </p:cNvPr>
+            <p:cNvCxnSpPr/>
+            <p:nvPr/>
+          </p:nvCxnSpPr>
+          <p:spPr>
+            <a:xfrm>
+              <a:off x="5500688" y="508635"/>
+              <a:ext cx="0" cy="2014538"/>
+            </a:xfrm>
+            <a:prstGeom prst="line">
+              <a:avLst/>
+            </a:prstGeom>
+            <a:ln w="60325">
+              <a:prstDash val="sysDot"/>
+            </a:ln>
+          </p:spPr>
+          <p:style>
+            <a:lnRef idx="1">
+              <a:schemeClr val="accent1"/>
+            </a:lnRef>
+            <a:fillRef idx="0">
+              <a:schemeClr val="accent1"/>
+            </a:fillRef>
+            <a:effectRef idx="0">
+              <a:schemeClr val="accent1"/>
+            </a:effectRef>
+            <a:fontRef idx="minor">
+              <a:schemeClr val="tx1"/>
+            </a:fontRef>
+          </p:style>
+        </p:cxnSp>
+        <p:cxnSp>
+          <p:nvCxnSpPr>
+            <p:cNvPr id="23" name="Straight Connector 22">
+              <a:extLst>
+                <a:ext uri="{FF2B5EF4-FFF2-40B4-BE49-F238E27FC236}">
+                  <a16:creationId xmlns:a16="http://schemas.microsoft.com/office/drawing/2014/main" id="{A2EDFFEB-6018-CD4A-8323-5B6E69D0FC9B}"/>
+                </a:ext>
+              </a:extLst>
+            </p:cNvPr>
+            <p:cNvCxnSpPr/>
+            <p:nvPr/>
+          </p:nvCxnSpPr>
+          <p:spPr>
+            <a:xfrm>
+              <a:off x="5567360" y="489579"/>
+              <a:ext cx="0" cy="2014538"/>
+            </a:xfrm>
+            <a:prstGeom prst="line">
+              <a:avLst/>
+            </a:prstGeom>
+            <a:ln w="60325">
+              <a:prstDash val="sysDot"/>
+            </a:ln>
+          </p:spPr>
+          <p:style>
+            <a:lnRef idx="1">
+              <a:schemeClr val="accent1"/>
+            </a:lnRef>
+            <a:fillRef idx="0">
+              <a:schemeClr val="accent1"/>
+            </a:fillRef>
+            <a:effectRef idx="0">
+              <a:schemeClr val="accent1"/>
+            </a:effectRef>
+            <a:fontRef idx="minor">
+              <a:schemeClr val="tx1"/>
+            </a:fontRef>
+          </p:style>
+        </p:cxnSp>
+        <p:sp>
+          <p:nvSpPr>
+            <p:cNvPr id="4" name="Oval 3">
+              <a:extLst>
+                <a:ext uri="{FF2B5EF4-FFF2-40B4-BE49-F238E27FC236}">
+                  <a16:creationId xmlns:a16="http://schemas.microsoft.com/office/drawing/2014/main" id="{144128EC-8910-9346-A46E-8D180D8B5A80}"/>
+                </a:ext>
+              </a:extLst>
+            </p:cNvPr>
+            <p:cNvSpPr/>
+            <p:nvPr/>
+          </p:nvSpPr>
+          <p:spPr>
+            <a:xfrm>
+              <a:off x="4926330" y="1234440"/>
+              <a:ext cx="1165860" cy="1165860"/>
+            </a:xfrm>
+            <a:prstGeom prst="ellipse">
+              <a:avLst/>
+            </a:prstGeom>
+            <a:solidFill>
+              <a:schemeClr val="bg1"/>
+            </a:solidFill>
+          </p:spPr>
+          <p:style>
+            <a:lnRef idx="2">
+              <a:schemeClr val="accent1">
+                <a:shade val="50000"/>
+              </a:schemeClr>
+            </a:lnRef>
+            <a:fillRef idx="1">
+              <a:schemeClr val="accent1"/>
+            </a:fillRef>
+            <a:effectRef idx="0">
+              <a:schemeClr val="accent1"/>
+            </a:effectRef>
+            <a:fontRef idx="minor">
+              <a:schemeClr val="lt1"/>
+            </a:fontRef>
+          </p:style>
+          <p:txBody>
+            <a:bodyPr rtlCol="0" anchor="ctr"/>
+            <a:lstStyle/>
+            <a:p>
+              <a:pPr algn="ctr"/>
+              <a:endParaRPr lang="en-US" dirty="0"/>
+            </a:p>
+          </p:txBody>
+        </p:sp>
+      </p:grpSp>
+      <p:sp>
+        <p:nvSpPr>
+          <p:cNvPr id="25" name="TextBox 24">
+            <a:extLst>
+              <a:ext uri="{FF2B5EF4-FFF2-40B4-BE49-F238E27FC236}">
+                <a16:creationId xmlns:a16="http://schemas.microsoft.com/office/drawing/2014/main" id="{249FCE24-746F-D74E-A182-5E2492845363}"/>
+              </a:ext>
+            </a:extLst>
+          </p:cNvPr>
+          <p:cNvSpPr txBox="1"/>
+          <p:nvPr/>
+        </p:nvSpPr>
+        <p:spPr>
+          <a:xfrm>
+            <a:off x="3874770" y="4572000"/>
+            <a:ext cx="6263640" cy="830997"/>
+          </a:xfrm>
+          <a:prstGeom prst="rect">
+            <a:avLst/>
+          </a:prstGeom>
+          <a:noFill/>
+        </p:spPr>
+        <p:txBody>
+          <a:bodyPr wrap="square" rtlCol="0">
+            <a:spAutoFit/>
+          </a:bodyPr>
+          <a:lstStyle/>
+          <a:p>
+            <a:r>
+              <a:rPr lang="en-US" sz="4800" dirty="0"/>
+              <a:t>_  _  _  _  _  _</a:t>
+            </a:r>
+          </a:p>
+        </p:txBody>
+      </p:sp>
+      <p:sp>
+        <p:nvSpPr>
+          <p:cNvPr id="26" name="TextBox 25">
+            <a:extLst>
+              <a:ext uri="{FF2B5EF4-FFF2-40B4-BE49-F238E27FC236}">
+                <a16:creationId xmlns:a16="http://schemas.microsoft.com/office/drawing/2014/main" id="{D48DF223-A151-4941-962D-26252B61302E}"/>
+              </a:ext>
+            </a:extLst>
+          </p:cNvPr>
+          <p:cNvSpPr txBox="1"/>
+          <p:nvPr/>
+        </p:nvSpPr>
+        <p:spPr>
+          <a:xfrm>
+            <a:off x="2343150" y="5737860"/>
+            <a:ext cx="7075170" cy="646331"/>
+          </a:xfrm>
+          <a:prstGeom prst="rect">
+            <a:avLst/>
+          </a:prstGeom>
+          <a:noFill/>
+        </p:spPr>
+        <p:txBody>
+          <a:bodyPr wrap="square" rtlCol="0">
+            <a:spAutoFit/>
+          </a:bodyPr>
+          <a:lstStyle/>
+          <a:p>
+            <a:r>
+              <a:rPr lang="en-US" sz="3600" dirty="0"/>
+              <a:t>ABCDEFGHIJKLMNOPQRSTUVWXYZ</a:t>
+            </a:r>
+          </a:p>
+        </p:txBody>
+      </p:sp>
+      <p:sp>
+        <p:nvSpPr>
+          <p:cNvPr id="27" name="TextBox 26">
+            <a:extLst>
+              <a:ext uri="{FF2B5EF4-FFF2-40B4-BE49-F238E27FC236}">
+                <a16:creationId xmlns:a16="http://schemas.microsoft.com/office/drawing/2014/main" id="{3577FA2E-CD5C-174C-A2F1-170645177876}"/>
+              </a:ext>
+            </a:extLst>
+          </p:cNvPr>
+          <p:cNvSpPr txBox="1"/>
+          <p:nvPr/>
+        </p:nvSpPr>
+        <p:spPr>
+          <a:xfrm>
+            <a:off x="400050" y="720090"/>
+            <a:ext cx="2674620" cy="369332"/>
+          </a:xfrm>
+          <a:prstGeom prst="rect">
+            <a:avLst/>
+          </a:prstGeom>
+          <a:noFill/>
+        </p:spPr>
+        <p:txBody>
+          <a:bodyPr wrap="square" rtlCol="0">
+            <a:spAutoFit/>
+          </a:bodyPr>
+          <a:lstStyle/>
+          <a:p>
+            <a:r>
+              <a:rPr lang="en-US" dirty="0"/>
+              <a:t>HANGMAN</a:t>
+            </a:r>
+          </a:p>
+        </p:txBody>
+      </p:sp>
+      <p:cxnSp>
+        <p:nvCxnSpPr>
+          <p:cNvPr id="29" name="Straight Connector 28">
+            <a:extLst>
+              <a:ext uri="{FF2B5EF4-FFF2-40B4-BE49-F238E27FC236}">
+                <a16:creationId xmlns:a16="http://schemas.microsoft.com/office/drawing/2014/main" id="{50BB648C-C112-5243-B8CC-02BD9D704C21}"/>
+              </a:ext>
+            </a:extLst>
+          </p:cNvPr>
+          <p:cNvCxnSpPr/>
+          <p:nvPr/>
+        </p:nvCxnSpPr>
+        <p:spPr>
+          <a:xfrm>
+            <a:off x="1588770" y="5623560"/>
+            <a:ext cx="8263890" cy="0"/>
+          </a:xfrm>
+          <a:prstGeom prst="line">
+            <a:avLst/>
+          </a:prstGeom>
+        </p:spPr>
+        <p:style>
+          <a:lnRef idx="1">
+            <a:schemeClr val="accent1"/>
+          </a:lnRef>
+          <a:fillRef idx="0">
+            <a:schemeClr val="accent1"/>
+          </a:fillRef>
+          <a:effectRef idx="0">
+            <a:schemeClr val="accent1"/>
+          </a:effectRef>
+          <a:fontRef idx="minor">
+            <a:schemeClr val="tx1"/>
+          </a:fontRef>
+        </p:style>
+      </p:cxnSp>
+      <p:sp>
+        <p:nvSpPr>
+          <p:cNvPr id="31" name="Rounded Rectangle 30">
+            <a:extLst>
+              <a:ext uri="{FF2B5EF4-FFF2-40B4-BE49-F238E27FC236}">
+                <a16:creationId xmlns:a16="http://schemas.microsoft.com/office/drawing/2014/main" id="{78129E74-7A5B-C444-88A7-EE27CC9B7EFA}"/>
+              </a:ext>
+            </a:extLst>
+          </p:cNvPr>
+          <p:cNvSpPr/>
+          <p:nvPr/>
+        </p:nvSpPr>
+        <p:spPr>
+          <a:xfrm>
+            <a:off x="9852660" y="5909310"/>
+            <a:ext cx="1931670" cy="388620"/>
+          </a:xfrm>
+          <a:prstGeom prst="roundRect">
+            <a:avLst/>
+          </a:prstGeom>
+        </p:spPr>
+        <p:style>
+          <a:lnRef idx="2">
+            <a:schemeClr val="accent1">
+              <a:shade val="50000"/>
+            </a:schemeClr>
+          </a:lnRef>
+          <a:fillRef idx="1">
+            <a:schemeClr val="accent1"/>
+          </a:fillRef>
+          <a:effectRef idx="0">
+            <a:schemeClr val="accent1"/>
+          </a:effectRef>
+          <a:fontRef idx="minor">
+            <a:schemeClr val="lt1"/>
+          </a:fontRef>
+        </p:style>
+        <p:txBody>
+          <a:bodyPr rtlCol="0" anchor="ctr"/>
+          <a:lstStyle/>
+          <a:p>
+            <a:pPr algn="ctr"/>
+            <a:r>
+              <a:rPr lang="en-US" dirty="0"/>
+              <a:t>PLAY</a:t>
+            </a:r>
+          </a:p>
+        </p:txBody>
+      </p:sp>
+      <p:sp>
+        <p:nvSpPr>
+          <p:cNvPr id="32" name="TextBox 31">
+            <a:extLst>
+              <a:ext uri="{FF2B5EF4-FFF2-40B4-BE49-F238E27FC236}">
+                <a16:creationId xmlns:a16="http://schemas.microsoft.com/office/drawing/2014/main" id="{0288E37C-89E9-E048-8662-C124F073D011}"/>
+              </a:ext>
+            </a:extLst>
+          </p:cNvPr>
+          <p:cNvSpPr txBox="1"/>
+          <p:nvPr/>
+        </p:nvSpPr>
+        <p:spPr>
+          <a:xfrm>
+            <a:off x="365760" y="1371600"/>
+            <a:ext cx="3257550" cy="2585323"/>
+          </a:xfrm>
+          <a:prstGeom prst="rect">
+            <a:avLst/>
+          </a:prstGeom>
+          <a:noFill/>
+        </p:spPr>
+        <p:txBody>
+          <a:bodyPr wrap="square" rtlCol="0">
+            <a:spAutoFit/>
+          </a:bodyPr>
+          <a:lstStyle/>
+          <a:p>
+            <a:pPr marL="285750" indent="-285750">
+              <a:buFontTx/>
+              <a:buChar char="-"/>
+            </a:pPr>
+            <a:r>
+              <a:rPr lang="en-US" dirty="0"/>
+              <a:t>Guess the letters in the word by clicking on the letters</a:t>
+            </a:r>
+          </a:p>
+          <a:p>
+            <a:pPr marL="285750" indent="-285750">
+              <a:buFontTx/>
+              <a:buChar char="-"/>
+            </a:pPr>
+            <a:r>
+              <a:rPr lang="en-US" dirty="0"/>
+              <a:t>For every wrong letter chosen a part of the man gets added</a:t>
+            </a:r>
+          </a:p>
+          <a:p>
+            <a:pPr marL="285750" indent="-285750">
+              <a:buFontTx/>
+              <a:buChar char="-"/>
+            </a:pPr>
+            <a:r>
+              <a:rPr lang="en-US" dirty="0"/>
+              <a:t>6 wrong choices hangs the man - game over.</a:t>
+            </a:r>
+          </a:p>
+          <a:p>
+            <a:pPr marL="285750" indent="-285750">
+              <a:buFontTx/>
+              <a:buChar char="-"/>
+            </a:pPr>
+            <a:r>
+              <a:rPr lang="en-US" dirty="0"/>
+              <a:t>Choose wisely</a:t>
+            </a:r>
+          </a:p>
+          <a:p>
+            <a:pPr marL="285750" indent="-285750">
+              <a:buFontTx/>
+              <a:buChar char="-"/>
+            </a:pPr>
+            <a:r>
+              <a:rPr lang="en-US" dirty="0"/>
+              <a:t>Click play to begin</a:t>
+            </a:r>
+          </a:p>
+          <a:p>
+            <a:pPr marL="285750" indent="-285750">
+              <a:buFontTx/>
+              <a:buChar char="-"/>
+            </a:pPr>
+            <a:endParaRPr lang="en-US" dirty="0"/>
+          </a:p>
+        </p:txBody>
+      </p:sp>
+      <p:sp>
+        <p:nvSpPr>
+          <p:cNvPr id="33" name="TextBox 32">
+            <a:extLst>
+              <a:ext uri="{FF2B5EF4-FFF2-40B4-BE49-F238E27FC236}">
+                <a16:creationId xmlns:a16="http://schemas.microsoft.com/office/drawing/2014/main" id="{992779F3-C5D7-4F41-8F1B-3997316657F1}"/>
+              </a:ext>
+            </a:extLst>
+          </p:cNvPr>
+          <p:cNvSpPr txBox="1"/>
+          <p:nvPr/>
+        </p:nvSpPr>
+        <p:spPr>
+          <a:xfrm>
+            <a:off x="7989570" y="982980"/>
+            <a:ext cx="3566160" cy="365760"/>
+          </a:xfrm>
+          <a:prstGeom prst="rect">
+            <a:avLst/>
+          </a:prstGeom>
+          <a:noFill/>
+        </p:spPr>
+        <p:txBody>
+          <a:bodyPr wrap="square" rtlCol="0">
+            <a:spAutoFit/>
+          </a:bodyPr>
+          <a:lstStyle/>
+          <a:p>
+            <a:r>
+              <a:rPr lang="en-US" dirty="0"/>
+              <a:t>Guess the word:</a:t>
+            </a:r>
+          </a:p>
+        </p:txBody>
+      </p:sp>
+      <p:sp>
+        <p:nvSpPr>
+          <p:cNvPr id="34" name="TextBox 33">
+            <a:extLst>
+              <a:ext uri="{FF2B5EF4-FFF2-40B4-BE49-F238E27FC236}">
+                <a16:creationId xmlns:a16="http://schemas.microsoft.com/office/drawing/2014/main" id="{55D7BEC8-3E57-E744-B6E4-97ADEECE0C10}"/>
+              </a:ext>
+            </a:extLst>
+          </p:cNvPr>
+          <p:cNvSpPr txBox="1"/>
+          <p:nvPr/>
+        </p:nvSpPr>
+        <p:spPr>
+          <a:xfrm>
+            <a:off x="7978140" y="1474470"/>
+            <a:ext cx="3188970" cy="646331"/>
+          </a:xfrm>
+          <a:prstGeom prst="rect">
+            <a:avLst/>
+          </a:prstGeom>
+          <a:noFill/>
+        </p:spPr>
+        <p:txBody>
+          <a:bodyPr wrap="square" rtlCol="0">
+            <a:spAutoFit/>
+          </a:bodyPr>
+          <a:lstStyle/>
+          <a:p>
+            <a:r>
+              <a:rPr lang="en-US" dirty="0"/>
+              <a:t>Last name of male star in the movie Groundhog Day</a:t>
+            </a:r>
+          </a:p>
+        </p:txBody>
+      </p:sp>
+      <p:sp>
+        <p:nvSpPr>
+          <p:cNvPr id="3" name="Rectangle 2">
+            <a:extLst>
+              <a:ext uri="{FF2B5EF4-FFF2-40B4-BE49-F238E27FC236}">
+                <a16:creationId xmlns:a16="http://schemas.microsoft.com/office/drawing/2014/main" id="{4341168E-6F0F-4A42-B8CE-340E715712B5}"/>
+              </a:ext>
+            </a:extLst>
+          </p:cNvPr>
+          <p:cNvSpPr/>
+          <p:nvPr/>
+        </p:nvSpPr>
+        <p:spPr>
+          <a:xfrm>
+            <a:off x="320040" y="697230"/>
+            <a:ext cx="1611630" cy="400050"/>
+          </a:xfrm>
+          <a:prstGeom prst="rect">
+            <a:avLst/>
+          </a:prstGeom>
+          <a:noFill/>
+          <a:ln>
+            <a:solidFill>
+              <a:schemeClr val="accent1"/>
+            </a:solidFill>
+          </a:ln>
+        </p:spPr>
+        <p:style>
+          <a:lnRef idx="2">
+            <a:schemeClr val="accent1">
+              <a:shade val="50000"/>
+            </a:schemeClr>
+          </a:lnRef>
+          <a:fillRef idx="1">
+            <a:schemeClr val="accent1"/>
+          </a:fillRef>
+          <a:effectRef idx="0">
+            <a:schemeClr val="accent1"/>
+          </a:effectRef>
+          <a:fontRef idx="minor">
+            <a:schemeClr val="lt1"/>
+          </a:fontRef>
+        </p:style>
+        <p:txBody>
+          <a:bodyPr rtlCol="0" anchor="ctr"/>
+          <a:lstStyle/>
+          <a:p>
+            <a:pPr algn="ctr"/>
+            <a:endParaRPr lang="en-US" dirty="0"/>
+          </a:p>
+        </p:txBody>
+      </p:sp>
+      <p:sp>
+        <p:nvSpPr>
+          <p:cNvPr id="5" name="TextBox 4">
+            <a:extLst>
+              <a:ext uri="{FF2B5EF4-FFF2-40B4-BE49-F238E27FC236}">
+                <a16:creationId xmlns:a16="http://schemas.microsoft.com/office/drawing/2014/main" id="{71877284-5227-DF4A-8233-4ABCAB1BE123}"/>
+              </a:ext>
+            </a:extLst>
+          </p:cNvPr>
+          <p:cNvSpPr txBox="1"/>
+          <p:nvPr/>
+        </p:nvSpPr>
+        <p:spPr>
+          <a:xfrm>
+            <a:off x="1528761" y="414338"/>
+            <a:ext cx="942977" cy="369332"/>
+          </a:xfrm>
+          <a:prstGeom prst="rect">
+            <a:avLst/>
+          </a:prstGeom>
+          <a:noFill/>
+        </p:spPr>
+        <p:txBody>
+          <a:bodyPr wrap="square" rtlCol="0">
+            <a:spAutoFit/>
+          </a:bodyPr>
+          <a:lstStyle/>
+          <a:p>
+            <a:r>
+              <a:rPr lang="en-US" dirty="0">
+                <a:solidFill>
+                  <a:schemeClr val="accent1"/>
+                </a:solidFill>
+              </a:rPr>
+              <a:t>&lt;h1&gt;</a:t>
+            </a:r>
+          </a:p>
+        </p:txBody>
+      </p:sp>
+      <p:sp>
+        <p:nvSpPr>
+          <p:cNvPr id="28" name="Rectangle 27">
+            <a:extLst>
+              <a:ext uri="{FF2B5EF4-FFF2-40B4-BE49-F238E27FC236}">
+                <a16:creationId xmlns:a16="http://schemas.microsoft.com/office/drawing/2014/main" id="{58C3E439-342D-5D45-8A1D-87743E8C4ED4}"/>
+              </a:ext>
+            </a:extLst>
+          </p:cNvPr>
+          <p:cNvSpPr/>
+          <p:nvPr/>
+        </p:nvSpPr>
+        <p:spPr>
+          <a:xfrm>
+            <a:off x="7987664" y="949642"/>
+            <a:ext cx="1784985" cy="421957"/>
+          </a:xfrm>
+          <a:prstGeom prst="rect">
+            <a:avLst/>
+          </a:prstGeom>
+          <a:noFill/>
+          <a:ln>
+            <a:solidFill>
+              <a:schemeClr val="accent1">
+                <a:lumMod val="60000"/>
+                <a:lumOff val="40000"/>
+              </a:schemeClr>
+            </a:solidFill>
+          </a:ln>
+        </p:spPr>
+        <p:style>
+          <a:lnRef idx="2">
+            <a:schemeClr val="accent1">
+              <a:shade val="50000"/>
+            </a:schemeClr>
+          </a:lnRef>
+          <a:fillRef idx="1">
+            <a:schemeClr val="accent1"/>
+          </a:fillRef>
+          <a:effectRef idx="0">
+            <a:schemeClr val="accent1"/>
+          </a:effectRef>
+          <a:fontRef idx="minor">
+            <a:schemeClr val="lt1"/>
+          </a:fontRef>
+        </p:style>
+        <p:txBody>
+          <a:bodyPr rtlCol="0" anchor="ctr"/>
+          <a:lstStyle/>
+          <a:p>
+            <a:pPr algn="ctr"/>
+            <a:endParaRPr lang="en-US" dirty="0"/>
+          </a:p>
+        </p:txBody>
+      </p:sp>
+      <p:sp>
+        <p:nvSpPr>
+          <p:cNvPr id="30" name="TextBox 29">
+            <a:extLst>
+              <a:ext uri="{FF2B5EF4-FFF2-40B4-BE49-F238E27FC236}">
+                <a16:creationId xmlns:a16="http://schemas.microsoft.com/office/drawing/2014/main" id="{C8C29F89-BEDE-4D4A-8D02-BA298BE1DF2E}"/>
+              </a:ext>
+            </a:extLst>
+          </p:cNvPr>
+          <p:cNvSpPr txBox="1"/>
+          <p:nvPr/>
+        </p:nvSpPr>
+        <p:spPr>
+          <a:xfrm>
+            <a:off x="9410698" y="552450"/>
+            <a:ext cx="933452" cy="369332"/>
+          </a:xfrm>
+          <a:prstGeom prst="rect">
+            <a:avLst/>
+          </a:prstGeom>
+          <a:noFill/>
+        </p:spPr>
+        <p:txBody>
+          <a:bodyPr wrap="square" rtlCol="0">
+            <a:spAutoFit/>
+          </a:bodyPr>
+          <a:lstStyle/>
+          <a:p>
+            <a:r>
+              <a:rPr lang="en-US" dirty="0">
+                <a:solidFill>
+                  <a:schemeClr val="accent1">
+                    <a:lumMod val="60000"/>
+                    <a:lumOff val="40000"/>
+                  </a:schemeClr>
+                </a:solidFill>
+              </a:rPr>
+              <a:t>&lt;h2&gt;</a:t>
+            </a:r>
+          </a:p>
+        </p:txBody>
+      </p:sp>
+      <p:sp>
+        <p:nvSpPr>
+          <p:cNvPr id="6" name="Rectangle 5">
+            <a:extLst>
+              <a:ext uri="{FF2B5EF4-FFF2-40B4-BE49-F238E27FC236}">
+                <a16:creationId xmlns:a16="http://schemas.microsoft.com/office/drawing/2014/main" id="{98795CF6-9AD1-214D-8A55-0F501D26BFA7}"/>
+              </a:ext>
+            </a:extLst>
+          </p:cNvPr>
+          <p:cNvSpPr/>
+          <p:nvPr/>
+        </p:nvSpPr>
+        <p:spPr>
+          <a:xfrm>
+            <a:off x="214313" y="1385888"/>
+            <a:ext cx="3557587" cy="2328862"/>
+          </a:xfrm>
+          <a:prstGeom prst="rect">
+            <a:avLst/>
+          </a:prstGeom>
+          <a:noFill/>
+          <a:ln>
+            <a:solidFill>
+              <a:schemeClr val="accent6"/>
+            </a:solidFill>
+          </a:ln>
+        </p:spPr>
+        <p:style>
+          <a:lnRef idx="2">
+            <a:schemeClr val="accent1">
+              <a:shade val="50000"/>
+            </a:schemeClr>
+          </a:lnRef>
+          <a:fillRef idx="1">
+            <a:schemeClr val="accent1"/>
+          </a:fillRef>
+          <a:effectRef idx="0">
+            <a:schemeClr val="accent1"/>
+          </a:effectRef>
+          <a:fontRef idx="minor">
+            <a:schemeClr val="lt1"/>
+          </a:fontRef>
+        </p:style>
+        <p:txBody>
+          <a:bodyPr rot="0" spcFirstLastPara="0" vertOverflow="overflow" horzOverflow="overflow" vert="horz" wrap="square" lIns="91440" tIns="45720" rIns="91440" bIns="45720" numCol="1" spcCol="0" rtlCol="0" fromWordArt="0" anchor="ctr" anchorCtr="0" forceAA="0" compatLnSpc="1">
+            <a:prstTxWarp prst="textNoShape">
+              <a:avLst/>
+            </a:prstTxWarp>
+            <a:noAutofit/>
+          </a:bodyPr>
+          <a:lstStyle/>
+          <a:p>
+            <a:pPr algn="ctr"/>
+            <a:endParaRPr lang="en-US" dirty="0">
+              <a:solidFill>
+                <a:schemeClr val="accent6"/>
+              </a:solidFill>
+            </a:endParaRPr>
+          </a:p>
+        </p:txBody>
+      </p:sp>
+      <p:sp>
+        <p:nvSpPr>
+          <p:cNvPr id="8" name="Rectangle 7">
+            <a:extLst>
+              <a:ext uri="{FF2B5EF4-FFF2-40B4-BE49-F238E27FC236}">
+                <a16:creationId xmlns:a16="http://schemas.microsoft.com/office/drawing/2014/main" id="{7FAF4358-CE9C-8540-A255-3C1CB4D7E4DB}"/>
+              </a:ext>
+            </a:extLst>
+          </p:cNvPr>
+          <p:cNvSpPr/>
+          <p:nvPr/>
+        </p:nvSpPr>
+        <p:spPr>
+          <a:xfrm>
+            <a:off x="7958138" y="1514475"/>
+            <a:ext cx="3257550" cy="1271588"/>
+          </a:xfrm>
+          <a:prstGeom prst="rect">
+            <a:avLst/>
+          </a:prstGeom>
+          <a:noFill/>
+          <a:ln>
+            <a:solidFill>
+              <a:srgbClr val="7030A0"/>
+            </a:solidFill>
+          </a:ln>
+        </p:spPr>
+        <p:style>
+          <a:lnRef idx="2">
+            <a:schemeClr val="accent1">
+              <a:shade val="50000"/>
+            </a:schemeClr>
+          </a:lnRef>
+          <a:fillRef idx="1">
+            <a:schemeClr val="accent1"/>
+          </a:fillRef>
+          <a:effectRef idx="0">
+            <a:schemeClr val="accent1"/>
+          </a:effectRef>
+          <a:fontRef idx="minor">
+            <a:schemeClr val="lt1"/>
+          </a:fontRef>
+        </p:style>
+        <p:txBody>
+          <a:bodyPr rot="0" spcFirstLastPara="0" vertOverflow="overflow" horzOverflow="overflow" vert="horz" wrap="square" lIns="91440" tIns="45720" rIns="91440" bIns="45720" numCol="1" spcCol="0" rtlCol="0" fromWordArt="0" anchor="ctr" anchorCtr="0" forceAA="0" compatLnSpc="1">
+            <a:prstTxWarp prst="textNoShape">
+              <a:avLst/>
+            </a:prstTxWarp>
+            <a:noAutofit/>
+          </a:bodyPr>
+          <a:lstStyle/>
+          <a:p>
+            <a:pPr algn="ctr"/>
+            <a:endParaRPr lang="en-US" dirty="0"/>
+          </a:p>
+        </p:txBody>
+      </p:sp>
+      <p:sp>
+        <p:nvSpPr>
+          <p:cNvPr id="11" name="Rectangle 10">
+            <a:extLst>
+              <a:ext uri="{FF2B5EF4-FFF2-40B4-BE49-F238E27FC236}">
+                <a16:creationId xmlns:a16="http://schemas.microsoft.com/office/drawing/2014/main" id="{14A0954A-5BA3-D245-BA75-76C094191D54}"/>
+              </a:ext>
+            </a:extLst>
+          </p:cNvPr>
+          <p:cNvSpPr/>
+          <p:nvPr/>
+        </p:nvSpPr>
+        <p:spPr>
+          <a:xfrm>
+            <a:off x="0" y="128588"/>
+            <a:ext cx="3871913" cy="4872037"/>
+          </a:xfrm>
+          <a:prstGeom prst="rect">
+            <a:avLst/>
+          </a:prstGeom>
+          <a:noFill/>
+          <a:ln>
+            <a:solidFill>
+              <a:schemeClr val="accent2"/>
+            </a:solidFill>
+          </a:ln>
+        </p:spPr>
+        <p:style>
+          <a:lnRef idx="2">
+            <a:schemeClr val="accent1">
+              <a:shade val="50000"/>
+            </a:schemeClr>
+          </a:lnRef>
+          <a:fillRef idx="1">
+            <a:schemeClr val="accent1"/>
+          </a:fillRef>
+          <a:effectRef idx="0">
+            <a:schemeClr val="accent1"/>
+          </a:effectRef>
+          <a:fontRef idx="minor">
+            <a:schemeClr val="lt1"/>
+          </a:fontRef>
+        </p:style>
+        <p:txBody>
+          <a:bodyPr rot="0" spcFirstLastPara="0" vertOverflow="overflow" horzOverflow="overflow" vert="horz" wrap="square" lIns="91440" tIns="45720" rIns="91440" bIns="45720" numCol="1" spcCol="0" rtlCol="0" fromWordArt="0" anchor="ctr" anchorCtr="0" forceAA="0" compatLnSpc="1">
+            <a:prstTxWarp prst="textNoShape">
+              <a:avLst/>
+            </a:prstTxWarp>
+            <a:noAutofit/>
+          </a:bodyPr>
+          <a:lstStyle/>
+          <a:p>
+            <a:pPr algn="ctr"/>
+            <a:endParaRPr lang="en-US" dirty="0"/>
+          </a:p>
+        </p:txBody>
+      </p:sp>
+      <p:sp>
+        <p:nvSpPr>
+          <p:cNvPr id="12" name="Rectangle 11">
+            <a:extLst>
+              <a:ext uri="{FF2B5EF4-FFF2-40B4-BE49-F238E27FC236}">
+                <a16:creationId xmlns:a16="http://schemas.microsoft.com/office/drawing/2014/main" id="{5700A4D4-FE47-9A43-9CBE-F9A022767A45}"/>
+              </a:ext>
+            </a:extLst>
+          </p:cNvPr>
+          <p:cNvSpPr/>
+          <p:nvPr/>
+        </p:nvSpPr>
+        <p:spPr>
+          <a:xfrm>
+            <a:off x="7658100" y="185738"/>
+            <a:ext cx="4300538" cy="5100637"/>
+          </a:xfrm>
+          <a:prstGeom prst="rect">
+            <a:avLst/>
+          </a:prstGeom>
+          <a:noFill/>
+          <a:ln>
+            <a:solidFill>
+              <a:schemeClr val="accent2"/>
+            </a:solidFill>
+          </a:ln>
+        </p:spPr>
+        <p:style>
+          <a:lnRef idx="2">
+            <a:schemeClr val="accent1">
+              <a:shade val="50000"/>
+            </a:schemeClr>
+          </a:lnRef>
+          <a:fillRef idx="1">
+            <a:schemeClr val="accent1"/>
+          </a:fillRef>
+          <a:effectRef idx="0">
+            <a:schemeClr val="accent1"/>
+          </a:effectRef>
+          <a:fontRef idx="minor">
+            <a:schemeClr val="lt1"/>
+          </a:fontRef>
+        </p:style>
+        <p:txBody>
+          <a:bodyPr rot="0" spcFirstLastPara="0" vertOverflow="overflow" horzOverflow="overflow" vert="horz" wrap="square" lIns="91440" tIns="45720" rIns="91440" bIns="45720" numCol="1" spcCol="0" rtlCol="0" fromWordArt="0" anchor="ctr" anchorCtr="0" forceAA="0" compatLnSpc="1">
+            <a:prstTxWarp prst="textNoShape">
+              <a:avLst/>
+            </a:prstTxWarp>
+            <a:noAutofit/>
+          </a:bodyPr>
+          <a:lstStyle/>
+          <a:p>
+            <a:pPr algn="ctr"/>
+            <a:endParaRPr lang="en-US" dirty="0"/>
+          </a:p>
+        </p:txBody>
+      </p:sp>
+      <p:sp>
+        <p:nvSpPr>
+          <p:cNvPr id="13" name="Rectangle 12">
+            <a:extLst>
+              <a:ext uri="{FF2B5EF4-FFF2-40B4-BE49-F238E27FC236}">
+                <a16:creationId xmlns:a16="http://schemas.microsoft.com/office/drawing/2014/main" id="{C2556D91-A410-514A-94F0-E356EE63B9FF}"/>
+              </a:ext>
+            </a:extLst>
+          </p:cNvPr>
+          <p:cNvSpPr/>
+          <p:nvPr/>
+        </p:nvSpPr>
+        <p:spPr>
+          <a:xfrm>
+            <a:off x="3986213" y="271463"/>
+            <a:ext cx="3386137" cy="5286375"/>
+          </a:xfrm>
+          <a:prstGeom prst="rect">
+            <a:avLst/>
+          </a:prstGeom>
+          <a:noFill/>
+          <a:ln>
+            <a:solidFill>
+              <a:schemeClr val="accent2"/>
+            </a:solidFill>
+          </a:ln>
+        </p:spPr>
+        <p:style>
+          <a:lnRef idx="2">
+            <a:schemeClr val="accent1">
+              <a:shade val="50000"/>
+            </a:schemeClr>
+          </a:lnRef>
+          <a:fillRef idx="1">
+            <a:schemeClr val="accent1"/>
+          </a:fillRef>
+          <a:effectRef idx="0">
+            <a:schemeClr val="accent1"/>
+          </a:effectRef>
+          <a:fontRef idx="minor">
+            <a:schemeClr val="lt1"/>
+          </a:fontRef>
+        </p:style>
+        <p:txBody>
+          <a:bodyPr rot="0" spcFirstLastPara="0" vertOverflow="overflow" horzOverflow="overflow" vert="horz" wrap="square" lIns="91440" tIns="45720" rIns="91440" bIns="45720" numCol="1" spcCol="0" rtlCol="0" fromWordArt="0" anchor="ctr" anchorCtr="0" forceAA="0" compatLnSpc="1">
+            <a:prstTxWarp prst="textNoShape">
+              <a:avLst/>
+            </a:prstTxWarp>
+            <a:noAutofit/>
+          </a:bodyPr>
+          <a:lstStyle/>
+          <a:p>
+            <a:pPr algn="ctr"/>
+            <a:endParaRPr lang="en-US" dirty="0"/>
+          </a:p>
+        </p:txBody>
+      </p:sp>
+      <p:sp>
+        <p:nvSpPr>
+          <p:cNvPr id="15" name="Rectangle 14">
+            <a:extLst>
+              <a:ext uri="{FF2B5EF4-FFF2-40B4-BE49-F238E27FC236}">
+                <a16:creationId xmlns:a16="http://schemas.microsoft.com/office/drawing/2014/main" id="{C56B6C9D-990A-6A4C-9A12-F9E5D0B55183}"/>
+              </a:ext>
+            </a:extLst>
+          </p:cNvPr>
+          <p:cNvSpPr/>
+          <p:nvPr/>
+        </p:nvSpPr>
+        <p:spPr>
+          <a:xfrm>
+            <a:off x="5029200" y="1014413"/>
+            <a:ext cx="1243013" cy="1042987"/>
+          </a:xfrm>
+          <a:prstGeom prst="rect">
+            <a:avLst/>
+          </a:prstGeom>
+          <a:noFill/>
+          <a:ln>
+            <a:solidFill>
+              <a:schemeClr val="accent2"/>
+            </a:solidFill>
+          </a:ln>
+        </p:spPr>
+        <p:style>
+          <a:lnRef idx="2">
+            <a:schemeClr val="accent1">
+              <a:shade val="50000"/>
+            </a:schemeClr>
+          </a:lnRef>
+          <a:fillRef idx="1">
+            <a:schemeClr val="accent1"/>
+          </a:fillRef>
+          <a:effectRef idx="0">
+            <a:schemeClr val="accent1"/>
+          </a:effectRef>
+          <a:fontRef idx="minor">
+            <a:schemeClr val="lt1"/>
+          </a:fontRef>
+        </p:style>
+        <p:txBody>
+          <a:bodyPr rot="0" spcFirstLastPara="0" vertOverflow="overflow" horzOverflow="overflow" vert="horz" wrap="square" lIns="91440" tIns="45720" rIns="91440" bIns="45720" numCol="1" spcCol="0" rtlCol="0" fromWordArt="0" anchor="ctr" anchorCtr="0" forceAA="0" compatLnSpc="1">
+            <a:prstTxWarp prst="textNoShape">
+              <a:avLst/>
+            </a:prstTxWarp>
+            <a:noAutofit/>
+          </a:bodyPr>
+          <a:lstStyle/>
+          <a:p>
+            <a:pPr algn="ctr"/>
+            <a:endParaRPr lang="en-US" dirty="0"/>
+          </a:p>
+        </p:txBody>
+      </p:sp>
+      <p:sp>
+        <p:nvSpPr>
+          <p:cNvPr id="22" name="Rectangle 21">
+            <a:extLst>
+              <a:ext uri="{FF2B5EF4-FFF2-40B4-BE49-F238E27FC236}">
+                <a16:creationId xmlns:a16="http://schemas.microsoft.com/office/drawing/2014/main" id="{0A4B26E1-2F96-7046-BDA1-5CD1D2A3CEAC}"/>
+              </a:ext>
+            </a:extLst>
+          </p:cNvPr>
+          <p:cNvSpPr/>
+          <p:nvPr/>
+        </p:nvSpPr>
+        <p:spPr>
+          <a:xfrm>
+            <a:off x="5715000" y="2300288"/>
+            <a:ext cx="671513" cy="771525"/>
+          </a:xfrm>
+          <a:prstGeom prst="rect">
+            <a:avLst/>
+          </a:prstGeom>
+          <a:noFill/>
+          <a:ln>
+            <a:solidFill>
+              <a:schemeClr val="accent2"/>
+            </a:solidFill>
+          </a:ln>
+        </p:spPr>
+        <p:style>
+          <a:lnRef idx="2">
+            <a:schemeClr val="accent1">
+              <a:shade val="50000"/>
+            </a:schemeClr>
+          </a:lnRef>
+          <a:fillRef idx="1">
+            <a:schemeClr val="accent1"/>
+          </a:fillRef>
+          <a:effectRef idx="0">
+            <a:schemeClr val="accent1"/>
+          </a:effectRef>
+          <a:fontRef idx="minor">
+            <a:schemeClr val="lt1"/>
+          </a:fontRef>
+        </p:style>
+        <p:txBody>
+          <a:bodyPr rot="0" spcFirstLastPara="0" vertOverflow="overflow" horzOverflow="overflow" vert="horz" wrap="square" lIns="91440" tIns="45720" rIns="91440" bIns="45720" numCol="1" spcCol="0" rtlCol="0" fromWordArt="0" anchor="ctr" anchorCtr="0" forceAA="0" compatLnSpc="1">
+            <a:prstTxWarp prst="textNoShape">
+              <a:avLst/>
+            </a:prstTxWarp>
+            <a:noAutofit/>
+          </a:bodyPr>
+          <a:lstStyle/>
+          <a:p>
+            <a:pPr algn="ctr"/>
+            <a:endParaRPr lang="en-US" dirty="0"/>
+          </a:p>
+        </p:txBody>
+      </p:sp>
+      <p:sp>
+        <p:nvSpPr>
+          <p:cNvPr id="35" name="Rectangle 34">
+            <a:extLst>
+              <a:ext uri="{FF2B5EF4-FFF2-40B4-BE49-F238E27FC236}">
+                <a16:creationId xmlns:a16="http://schemas.microsoft.com/office/drawing/2014/main" id="{0D841C49-9EBE-774B-A60D-46BBBE6669BA}"/>
+              </a:ext>
+            </a:extLst>
+          </p:cNvPr>
+          <p:cNvSpPr/>
+          <p:nvPr/>
+        </p:nvSpPr>
+        <p:spPr>
+          <a:xfrm>
+            <a:off x="4953000" y="2381251"/>
+            <a:ext cx="671513" cy="771525"/>
+          </a:xfrm>
+          <a:prstGeom prst="rect">
+            <a:avLst/>
+          </a:prstGeom>
+          <a:noFill/>
+          <a:ln>
+            <a:solidFill>
+              <a:schemeClr val="accent2"/>
+            </a:solidFill>
+          </a:ln>
+        </p:spPr>
+        <p:style>
+          <a:lnRef idx="2">
+            <a:schemeClr val="accent1">
+              <a:shade val="50000"/>
+            </a:schemeClr>
+          </a:lnRef>
+          <a:fillRef idx="1">
+            <a:schemeClr val="accent1"/>
+          </a:fillRef>
+          <a:effectRef idx="0">
+            <a:schemeClr val="accent1"/>
+          </a:effectRef>
+          <a:fontRef idx="minor">
+            <a:schemeClr val="lt1"/>
+          </a:fontRef>
+        </p:style>
+        <p:txBody>
+          <a:bodyPr rot="0" spcFirstLastPara="0" vertOverflow="overflow" horzOverflow="overflow" vert="horz" wrap="square" lIns="91440" tIns="45720" rIns="91440" bIns="45720" numCol="1" spcCol="0" rtlCol="0" fromWordArt="0" anchor="ctr" anchorCtr="0" forceAA="0" compatLnSpc="1">
+            <a:prstTxWarp prst="textNoShape">
+              <a:avLst/>
+            </a:prstTxWarp>
+            <a:noAutofit/>
+          </a:bodyPr>
+          <a:lstStyle/>
+          <a:p>
+            <a:pPr algn="ctr"/>
+            <a:endParaRPr lang="en-US" dirty="0"/>
+          </a:p>
+        </p:txBody>
+      </p:sp>
+      <p:sp>
+        <p:nvSpPr>
+          <p:cNvPr id="36" name="Rectangle 35">
+            <a:extLst>
+              <a:ext uri="{FF2B5EF4-FFF2-40B4-BE49-F238E27FC236}">
+                <a16:creationId xmlns:a16="http://schemas.microsoft.com/office/drawing/2014/main" id="{CFF9DC19-3BC9-1146-A0A0-CDD7FC285515}"/>
+              </a:ext>
+            </a:extLst>
+          </p:cNvPr>
+          <p:cNvSpPr/>
+          <p:nvPr/>
+        </p:nvSpPr>
+        <p:spPr>
+          <a:xfrm>
+            <a:off x="5738812" y="3309938"/>
+            <a:ext cx="671513" cy="771525"/>
+          </a:xfrm>
+          <a:prstGeom prst="rect">
+            <a:avLst/>
+          </a:prstGeom>
+          <a:noFill/>
+          <a:ln>
+            <a:solidFill>
+              <a:schemeClr val="accent2"/>
+            </a:solidFill>
+          </a:ln>
+        </p:spPr>
+        <p:style>
+          <a:lnRef idx="2">
+            <a:schemeClr val="accent1">
+              <a:shade val="50000"/>
+            </a:schemeClr>
+          </a:lnRef>
+          <a:fillRef idx="1">
+            <a:schemeClr val="accent1"/>
+          </a:fillRef>
+          <a:effectRef idx="0">
+            <a:schemeClr val="accent1"/>
+          </a:effectRef>
+          <a:fontRef idx="minor">
+            <a:schemeClr val="lt1"/>
+          </a:fontRef>
+        </p:style>
+        <p:txBody>
+          <a:bodyPr rot="0" spcFirstLastPara="0" vertOverflow="overflow" horzOverflow="overflow" vert="horz" wrap="square" lIns="91440" tIns="45720" rIns="91440" bIns="45720" numCol="1" spcCol="0" rtlCol="0" fromWordArt="0" anchor="ctr" anchorCtr="0" forceAA="0" compatLnSpc="1">
+            <a:prstTxWarp prst="textNoShape">
+              <a:avLst/>
+            </a:prstTxWarp>
+            <a:noAutofit/>
+          </a:bodyPr>
+          <a:lstStyle/>
+          <a:p>
+            <a:pPr algn="ctr"/>
+            <a:endParaRPr lang="en-US" dirty="0"/>
+          </a:p>
+        </p:txBody>
+      </p:sp>
+      <p:sp>
+        <p:nvSpPr>
+          <p:cNvPr id="37" name="Rectangle 36">
+            <a:extLst>
+              <a:ext uri="{FF2B5EF4-FFF2-40B4-BE49-F238E27FC236}">
+                <a16:creationId xmlns:a16="http://schemas.microsoft.com/office/drawing/2014/main" id="{A4711707-053E-F546-ADBE-A11E774576DC}"/>
+              </a:ext>
+            </a:extLst>
+          </p:cNvPr>
+          <p:cNvSpPr/>
+          <p:nvPr/>
+        </p:nvSpPr>
+        <p:spPr>
+          <a:xfrm>
+            <a:off x="4953000" y="3338513"/>
+            <a:ext cx="671513" cy="771525"/>
+          </a:xfrm>
+          <a:prstGeom prst="rect">
+            <a:avLst/>
+          </a:prstGeom>
+          <a:noFill/>
+          <a:ln>
+            <a:solidFill>
+              <a:schemeClr val="accent2"/>
+            </a:solidFill>
+          </a:ln>
+        </p:spPr>
+        <p:style>
+          <a:lnRef idx="2">
+            <a:schemeClr val="accent1">
+              <a:shade val="50000"/>
+            </a:schemeClr>
+          </a:lnRef>
+          <a:fillRef idx="1">
+            <a:schemeClr val="accent1"/>
+          </a:fillRef>
+          <a:effectRef idx="0">
+            <a:schemeClr val="accent1"/>
+          </a:effectRef>
+          <a:fontRef idx="minor">
+            <a:schemeClr val="lt1"/>
+          </a:fontRef>
+        </p:style>
+        <p:txBody>
+          <a:bodyPr rot="0" spcFirstLastPara="0" vertOverflow="overflow" horzOverflow="overflow" vert="horz" wrap="square" lIns="91440" tIns="45720" rIns="91440" bIns="45720" numCol="1" spcCol="0" rtlCol="0" fromWordArt="0" anchor="ctr" anchorCtr="0" forceAA="0" compatLnSpc="1">
+            <a:prstTxWarp prst="textNoShape">
+              <a:avLst/>
+            </a:prstTxWarp>
+            <a:noAutofit/>
+          </a:bodyPr>
+          <a:lstStyle/>
+          <a:p>
+            <a:pPr algn="ctr"/>
+            <a:endParaRPr lang="en-US" dirty="0"/>
+          </a:p>
+        </p:txBody>
+      </p:sp>
+      <p:sp>
+        <p:nvSpPr>
+          <p:cNvPr id="38" name="Rectangle 37">
+            <a:extLst>
+              <a:ext uri="{FF2B5EF4-FFF2-40B4-BE49-F238E27FC236}">
+                <a16:creationId xmlns:a16="http://schemas.microsoft.com/office/drawing/2014/main" id="{AB745C37-960C-3F48-B03B-12C0C911C3B9}"/>
+              </a:ext>
+            </a:extLst>
+          </p:cNvPr>
+          <p:cNvSpPr/>
+          <p:nvPr/>
+        </p:nvSpPr>
+        <p:spPr>
+          <a:xfrm>
+            <a:off x="5514975" y="2095501"/>
+            <a:ext cx="342900" cy="2247899"/>
+          </a:xfrm>
+          <a:prstGeom prst="rect">
+            <a:avLst/>
+          </a:prstGeom>
+          <a:noFill/>
+          <a:ln>
+            <a:solidFill>
+              <a:srgbClr val="FFC000"/>
+            </a:solidFill>
+          </a:ln>
+        </p:spPr>
+        <p:style>
+          <a:lnRef idx="2">
+            <a:schemeClr val="accent1">
+              <a:shade val="50000"/>
+            </a:schemeClr>
+          </a:lnRef>
+          <a:fillRef idx="1">
+            <a:schemeClr val="accent1"/>
+          </a:fillRef>
+          <a:effectRef idx="0">
+            <a:schemeClr val="accent1"/>
+          </a:effectRef>
+          <a:fontRef idx="minor">
+            <a:schemeClr val="lt1"/>
+          </a:fontRef>
+        </p:style>
+        <p:txBody>
+          <a:bodyPr rot="0" spcFirstLastPara="0" vertOverflow="overflow" horzOverflow="overflow" vert="horz" wrap="square" lIns="91440" tIns="45720" rIns="91440" bIns="45720" numCol="1" spcCol="0" rtlCol="0" fromWordArt="0" anchor="ctr" anchorCtr="0" forceAA="0" compatLnSpc="1">
+            <a:prstTxWarp prst="textNoShape">
+              <a:avLst/>
+            </a:prstTxWarp>
+            <a:noAutofit/>
+          </a:bodyPr>
+          <a:lstStyle/>
+          <a:p>
+            <a:pPr algn="ctr"/>
+            <a:endParaRPr lang="en-US" dirty="0"/>
+          </a:p>
+        </p:txBody>
+      </p:sp>
+      <p:sp>
+        <p:nvSpPr>
+          <p:cNvPr id="41" name="Rectangle 40">
+            <a:extLst>
+              <a:ext uri="{FF2B5EF4-FFF2-40B4-BE49-F238E27FC236}">
+                <a16:creationId xmlns:a16="http://schemas.microsoft.com/office/drawing/2014/main" id="{244E2E1A-4DE4-F240-8256-D9110367341B}"/>
+              </a:ext>
+            </a:extLst>
+          </p:cNvPr>
+          <p:cNvSpPr/>
+          <p:nvPr/>
+        </p:nvSpPr>
+        <p:spPr>
+          <a:xfrm>
+            <a:off x="1485900" y="5529263"/>
+            <a:ext cx="8358188" cy="928687"/>
+          </a:xfrm>
+          <a:prstGeom prst="rect">
+            <a:avLst/>
+          </a:prstGeom>
+          <a:noFill/>
+          <a:ln>
+            <a:solidFill>
+              <a:schemeClr val="accent2"/>
+            </a:solidFill>
+          </a:ln>
+        </p:spPr>
+        <p:style>
+          <a:lnRef idx="2">
+            <a:schemeClr val="accent1">
+              <a:shade val="50000"/>
+            </a:schemeClr>
+          </a:lnRef>
+          <a:fillRef idx="1">
+            <a:schemeClr val="accent1"/>
+          </a:fillRef>
+          <a:effectRef idx="0">
+            <a:schemeClr val="accent1"/>
+          </a:effectRef>
+          <a:fontRef idx="minor">
+            <a:schemeClr val="lt1"/>
+          </a:fontRef>
+        </p:style>
+        <p:txBody>
+          <a:bodyPr rot="0" spcFirstLastPara="0" vertOverflow="overflow" horzOverflow="overflow" vert="horz" wrap="square" lIns="91440" tIns="45720" rIns="91440" bIns="45720" numCol="1" spcCol="0" rtlCol="0" fromWordArt="0" anchor="ctr" anchorCtr="0" forceAA="0" compatLnSpc="1">
+            <a:prstTxWarp prst="textNoShape">
+              <a:avLst/>
+            </a:prstTxWarp>
+            <a:noAutofit/>
+          </a:bodyPr>
+          <a:lstStyle/>
+          <a:p>
+            <a:pPr algn="ctr"/>
+            <a:endParaRPr lang="en-US" dirty="0"/>
+          </a:p>
+        </p:txBody>
+      </p:sp>
+      <p:sp>
+        <p:nvSpPr>
+          <p:cNvPr id="42" name="TextBox 41">
+            <a:extLst>
+              <a:ext uri="{FF2B5EF4-FFF2-40B4-BE49-F238E27FC236}">
+                <a16:creationId xmlns:a16="http://schemas.microsoft.com/office/drawing/2014/main" id="{4A8B9767-C7BF-BD4F-9A56-D803E62368F3}"/>
+              </a:ext>
+            </a:extLst>
+          </p:cNvPr>
+          <p:cNvSpPr txBox="1"/>
+          <p:nvPr/>
+        </p:nvSpPr>
+        <p:spPr>
+          <a:xfrm>
+            <a:off x="10658475" y="1171575"/>
+            <a:ext cx="657225" cy="369332"/>
+          </a:xfrm>
+          <a:prstGeom prst="rect">
+            <a:avLst/>
+          </a:prstGeom>
+          <a:noFill/>
+        </p:spPr>
+        <p:txBody>
+          <a:bodyPr wrap="square" rtlCol="0">
+            <a:spAutoFit/>
+          </a:bodyPr>
+          <a:lstStyle/>
+          <a:p>
+            <a:r>
+              <a:rPr lang="en-US" dirty="0">
+                <a:solidFill>
+                  <a:srgbClr val="7030A0"/>
+                </a:solidFill>
+              </a:rPr>
+              <a:t>&lt;p&gt;</a:t>
+            </a:r>
+          </a:p>
+        </p:txBody>
+      </p:sp>
+      <p:sp>
+        <p:nvSpPr>
+          <p:cNvPr id="43" name="TextBox 42">
+            <a:extLst>
+              <a:ext uri="{FF2B5EF4-FFF2-40B4-BE49-F238E27FC236}">
+                <a16:creationId xmlns:a16="http://schemas.microsoft.com/office/drawing/2014/main" id="{895B6986-2131-734D-9FE2-891E808746A1}"/>
+              </a:ext>
+            </a:extLst>
+          </p:cNvPr>
+          <p:cNvSpPr txBox="1"/>
+          <p:nvPr/>
+        </p:nvSpPr>
+        <p:spPr>
+          <a:xfrm>
+            <a:off x="2967038" y="1023938"/>
+            <a:ext cx="657225" cy="369332"/>
+          </a:xfrm>
+          <a:prstGeom prst="rect">
+            <a:avLst/>
+          </a:prstGeom>
+          <a:noFill/>
+        </p:spPr>
+        <p:txBody>
+          <a:bodyPr wrap="square" rtlCol="0">
+            <a:spAutoFit/>
+          </a:bodyPr>
+          <a:lstStyle/>
+          <a:p>
+            <a:r>
+              <a:rPr lang="en-US" dirty="0">
+                <a:solidFill>
+                  <a:schemeClr val="accent6"/>
+                </a:solidFill>
+              </a:rPr>
+              <a:t>&lt;</a:t>
+            </a:r>
+            <a:r>
+              <a:rPr lang="en-US" dirty="0" err="1">
+                <a:solidFill>
+                  <a:schemeClr val="accent6"/>
+                </a:solidFill>
+              </a:rPr>
+              <a:t>ul</a:t>
+            </a:r>
+            <a:r>
+              <a:rPr lang="en-US" dirty="0">
+                <a:solidFill>
+                  <a:schemeClr val="accent6"/>
+                </a:solidFill>
+              </a:rPr>
+              <a:t>&gt;</a:t>
+            </a:r>
+          </a:p>
+        </p:txBody>
+      </p:sp>
+      <p:sp>
+        <p:nvSpPr>
+          <p:cNvPr id="44" name="TextBox 43">
+            <a:extLst>
+              <a:ext uri="{FF2B5EF4-FFF2-40B4-BE49-F238E27FC236}">
+                <a16:creationId xmlns:a16="http://schemas.microsoft.com/office/drawing/2014/main" id="{BC4855EA-BA59-E347-B460-F83325E75201}"/>
+              </a:ext>
+            </a:extLst>
+          </p:cNvPr>
+          <p:cNvSpPr txBox="1"/>
+          <p:nvPr/>
+        </p:nvSpPr>
+        <p:spPr>
+          <a:xfrm>
+            <a:off x="857250" y="4700588"/>
+            <a:ext cx="942975" cy="369332"/>
+          </a:xfrm>
+          <a:prstGeom prst="rect">
+            <a:avLst/>
+          </a:prstGeom>
+          <a:noFill/>
+        </p:spPr>
+        <p:txBody>
+          <a:bodyPr wrap="square" rtlCol="0">
+            <a:spAutoFit/>
+          </a:bodyPr>
+          <a:lstStyle/>
+          <a:p>
+            <a:r>
+              <a:rPr lang="en-US" dirty="0">
+                <a:solidFill>
+                  <a:schemeClr val="accent2"/>
+                </a:solidFill>
+              </a:rPr>
+              <a:t>&lt;div&gt;</a:t>
+            </a:r>
+          </a:p>
+        </p:txBody>
+      </p:sp>
+    </p:spTree>
+    <p:extLst>
+      <p:ext uri="{BB962C8B-B14F-4D97-AF65-F5344CB8AC3E}">
+        <p14:creationId xmlns:p14="http://schemas.microsoft.com/office/powerpoint/2010/main" val="1797478196"/>
+      </p:ext>
+    </p:extLst>
+  </p:cSld>
+  <p:clrMapOvr>
+    <a:masterClrMapping/>
+  </p:clrMapOvr>
+</p:sld>
+</file>
+
 <file path=ppt/theme/theme1.xml><?xml version="1.0" encoding="utf-8"?>
 <a:theme xmlns:a="http://schemas.openxmlformats.org/drawingml/2006/main" name="Office Theme">
   <a:themeElements>
@@ -4389,7 +6204,35 @@
       </a:bgFillStyleLst>
     </a:fmtScheme>
   </a:themeElements>
-  <a:objectDefaults/>
+  <a:objectDefaults>
+    <a:spDef>
+      <a:spPr>
+        <a:noFill/>
+      </a:spPr>
+      <a:bodyPr rtlCol="0" anchor="ctr"/>
+      <a:lstStyle>
+        <a:defPPr algn="ctr">
+          <a:defRPr dirty="0"/>
+        </a:defPPr>
+      </a:lstStyle>
+      <a:style>
+        <a:lnRef idx="2">
+          <a:schemeClr val="accent1">
+            <a:shade val="50000"/>
+          </a:schemeClr>
+        </a:lnRef>
+        <a:fillRef idx="1">
+          <a:schemeClr val="accent1"/>
+        </a:fillRef>
+        <a:effectRef idx="0">
+          <a:schemeClr val="accent1"/>
+        </a:effectRef>
+        <a:fontRef idx="minor">
+          <a:schemeClr val="lt1"/>
+        </a:fontRef>
+      </a:style>
+    </a:spDef>
+  </a:objectDefaults>
   <a:extraClrSchemeLst/>
   <a:extLst>
     <a:ext uri="{05A4C25C-085E-4340-85A3-A5531E510DB2}">

--- a/Wireframe.pptx
+++ b/Wireframe.pptx
@@ -7,6 +7,7 @@
   <p:sldIdLst>
     <p:sldId id="256" r:id="rId2"/>
     <p:sldId id="257" r:id="rId3"/>
+    <p:sldId id="258" r:id="rId4"/>
   </p:sldIdLst>
   <p:sldSz cx="12192000" cy="6858000"/>
   <p:notesSz cx="6858000" cy="9144000"/>
@@ -260,7 +261,7 @@
           <a:p>
             <a:fld id="{9F137A8D-0D52-2A45-B040-84B84C4A640E}" type="datetimeFigureOut">
               <a:rPr lang="en-US" smtClean="0"/>
-              <a:t>5/21/18</a:t>
+              <a:t>5/23/18</a:t>
             </a:fld>
             <a:endParaRPr lang="en-US"/>
           </a:p>
@@ -458,7 +459,7 @@
           <a:p>
             <a:fld id="{9F137A8D-0D52-2A45-B040-84B84C4A640E}" type="datetimeFigureOut">
               <a:rPr lang="en-US" smtClean="0"/>
-              <a:t>5/21/18</a:t>
+              <a:t>5/23/18</a:t>
             </a:fld>
             <a:endParaRPr lang="en-US"/>
           </a:p>
@@ -666,7 +667,7 @@
           <a:p>
             <a:fld id="{9F137A8D-0D52-2A45-B040-84B84C4A640E}" type="datetimeFigureOut">
               <a:rPr lang="en-US" smtClean="0"/>
-              <a:t>5/21/18</a:t>
+              <a:t>5/23/18</a:t>
             </a:fld>
             <a:endParaRPr lang="en-US"/>
           </a:p>
@@ -864,7 +865,7 @@
           <a:p>
             <a:fld id="{9F137A8D-0D52-2A45-B040-84B84C4A640E}" type="datetimeFigureOut">
               <a:rPr lang="en-US" smtClean="0"/>
-              <a:t>5/21/18</a:t>
+              <a:t>5/23/18</a:t>
             </a:fld>
             <a:endParaRPr lang="en-US"/>
           </a:p>
@@ -1139,7 +1140,7 @@
           <a:p>
             <a:fld id="{9F137A8D-0D52-2A45-B040-84B84C4A640E}" type="datetimeFigureOut">
               <a:rPr lang="en-US" smtClean="0"/>
-              <a:t>5/21/18</a:t>
+              <a:t>5/23/18</a:t>
             </a:fld>
             <a:endParaRPr lang="en-US"/>
           </a:p>
@@ -1404,7 +1405,7 @@
           <a:p>
             <a:fld id="{9F137A8D-0D52-2A45-B040-84B84C4A640E}" type="datetimeFigureOut">
               <a:rPr lang="en-US" smtClean="0"/>
-              <a:t>5/21/18</a:t>
+              <a:t>5/23/18</a:t>
             </a:fld>
             <a:endParaRPr lang="en-US"/>
           </a:p>
@@ -1816,7 +1817,7 @@
           <a:p>
             <a:fld id="{9F137A8D-0D52-2A45-B040-84B84C4A640E}" type="datetimeFigureOut">
               <a:rPr lang="en-US" smtClean="0"/>
-              <a:t>5/21/18</a:t>
+              <a:t>5/23/18</a:t>
             </a:fld>
             <a:endParaRPr lang="en-US"/>
           </a:p>
@@ -1957,7 +1958,7 @@
           <a:p>
             <a:fld id="{9F137A8D-0D52-2A45-B040-84B84C4A640E}" type="datetimeFigureOut">
               <a:rPr lang="en-US" smtClean="0"/>
-              <a:t>5/21/18</a:t>
+              <a:t>5/23/18</a:t>
             </a:fld>
             <a:endParaRPr lang="en-US"/>
           </a:p>
@@ -2070,7 +2071,7 @@
           <a:p>
             <a:fld id="{9F137A8D-0D52-2A45-B040-84B84C4A640E}" type="datetimeFigureOut">
               <a:rPr lang="en-US" smtClean="0"/>
-              <a:t>5/21/18</a:t>
+              <a:t>5/23/18</a:t>
             </a:fld>
             <a:endParaRPr lang="en-US"/>
           </a:p>
@@ -2381,7 +2382,7 @@
           <a:p>
             <a:fld id="{9F137A8D-0D52-2A45-B040-84B84C4A640E}" type="datetimeFigureOut">
               <a:rPr lang="en-US" smtClean="0"/>
-              <a:t>5/21/18</a:t>
+              <a:t>5/23/18</a:t>
             </a:fld>
             <a:endParaRPr lang="en-US"/>
           </a:p>
@@ -2669,7 +2670,7 @@
           <a:p>
             <a:fld id="{9F137A8D-0D52-2A45-B040-84B84C4A640E}" type="datetimeFigureOut">
               <a:rPr lang="en-US" smtClean="0"/>
-              <a:t>5/21/18</a:t>
+              <a:t>5/23/18</a:t>
             </a:fld>
             <a:endParaRPr lang="en-US"/>
           </a:p>
@@ -2910,7 +2911,7 @@
           <a:p>
             <a:fld id="{9F137A8D-0D52-2A45-B040-84B84C4A640E}" type="datetimeFigureOut">
               <a:rPr lang="en-US" smtClean="0"/>
-              <a:t>5/21/18</a:t>
+              <a:t>5/23/18</a:t>
             </a:fld>
             <a:endParaRPr lang="en-US"/>
           </a:p>
@@ -4795,7 +4796,15 @@
             </a:pPr>
             <a:r>
               <a:rPr lang="en-US" dirty="0"/>
-              <a:t>6 wrong choices hangs the man - game over.</a:t>
+              <a:t>8</a:t>
+            </a:r>
+            <a:r>
+              <a:rPr lang="en-US"/>
+              <a:t> </a:t>
+            </a:r>
+            <a:r>
+              <a:rPr lang="en-US" dirty="0"/>
+              <a:t>wrong choices hangs the man - game over.</a:t>
             </a:r>
           </a:p>
           <a:p>
@@ -5910,6 +5919,414 @@
     <p:extLst>
       <p:ext uri="{BB962C8B-B14F-4D97-AF65-F5344CB8AC3E}">
         <p14:creationId xmlns:p14="http://schemas.microsoft.com/office/powerpoint/2010/main" val="1797478196"/>
+      </p:ext>
+    </p:extLst>
+  </p:cSld>
+  <p:clrMapOvr>
+    <a:masterClrMapping/>
+  </p:clrMapOvr>
+</p:sld>
+</file>
+
+<file path=ppt/slides/slide3.xml><?xml version="1.0" encoding="utf-8"?>
+<p:sld xmlns:a="http://schemas.openxmlformats.org/drawingml/2006/main" xmlns:r="http://schemas.openxmlformats.org/officeDocument/2006/relationships" xmlns:p="http://schemas.openxmlformats.org/presentationml/2006/main">
+  <p:cSld>
+    <p:spTree>
+      <p:nvGrpSpPr>
+        <p:cNvPr id="1" name=""/>
+        <p:cNvGrpSpPr/>
+        <p:nvPr/>
+      </p:nvGrpSpPr>
+      <p:grpSpPr>
+        <a:xfrm>
+          <a:off x="0" y="0"/>
+          <a:ext cx="0" cy="0"/>
+          <a:chOff x="0" y="0"/>
+          <a:chExt cx="0" cy="0"/>
+        </a:xfrm>
+      </p:grpSpPr>
+      <p:pic>
+        <p:nvPicPr>
+          <p:cNvPr id="4" name="Picture 3">
+            <a:extLst>
+              <a:ext uri="{FF2B5EF4-FFF2-40B4-BE49-F238E27FC236}">
+                <a16:creationId xmlns:a16="http://schemas.microsoft.com/office/drawing/2014/main" id="{A5D81B0F-5487-E145-A95A-F6ECCE638CFD}"/>
+              </a:ext>
+            </a:extLst>
+          </p:cNvPr>
+          <p:cNvPicPr>
+            <a:picLocks noChangeAspect="1"/>
+          </p:cNvPicPr>
+          <p:nvPr/>
+        </p:nvPicPr>
+        <p:blipFill>
+          <a:blip r:embed="rId2"/>
+          <a:stretch>
+            <a:fillRect/>
+          </a:stretch>
+        </p:blipFill>
+        <p:spPr>
+          <a:xfrm>
+            <a:off x="3575050" y="546100"/>
+            <a:ext cx="5041900" cy="5765800"/>
+          </a:xfrm>
+          <a:prstGeom prst="rect">
+            <a:avLst/>
+          </a:prstGeom>
+        </p:spPr>
+      </p:pic>
+      <p:cxnSp>
+        <p:nvCxnSpPr>
+          <p:cNvPr id="6" name="Straight Connector 5">
+            <a:extLst>
+              <a:ext uri="{FF2B5EF4-FFF2-40B4-BE49-F238E27FC236}">
+                <a16:creationId xmlns:a16="http://schemas.microsoft.com/office/drawing/2014/main" id="{4B4DD22F-BBEC-F346-9EEB-7AFF2C12F785}"/>
+              </a:ext>
+            </a:extLst>
+          </p:cNvPr>
+          <p:cNvCxnSpPr/>
+          <p:nvPr/>
+        </p:nvCxnSpPr>
+        <p:spPr>
+          <a:xfrm>
+            <a:off x="2537460" y="3429000"/>
+            <a:ext cx="7978140" cy="0"/>
+          </a:xfrm>
+          <a:prstGeom prst="line">
+            <a:avLst/>
+          </a:prstGeom>
+        </p:spPr>
+        <p:style>
+          <a:lnRef idx="1">
+            <a:schemeClr val="accent1"/>
+          </a:lnRef>
+          <a:fillRef idx="0">
+            <a:schemeClr val="accent1"/>
+          </a:fillRef>
+          <a:effectRef idx="0">
+            <a:schemeClr val="accent1"/>
+          </a:effectRef>
+          <a:fontRef idx="minor">
+            <a:schemeClr val="tx1"/>
+          </a:fontRef>
+        </p:style>
+      </p:cxnSp>
+      <p:cxnSp>
+        <p:nvCxnSpPr>
+          <p:cNvPr id="7" name="Straight Connector 6">
+            <a:extLst>
+              <a:ext uri="{FF2B5EF4-FFF2-40B4-BE49-F238E27FC236}">
+                <a16:creationId xmlns:a16="http://schemas.microsoft.com/office/drawing/2014/main" id="{4F6874DF-CF61-F346-9507-DF8669DB34D0}"/>
+              </a:ext>
+            </a:extLst>
+          </p:cNvPr>
+          <p:cNvCxnSpPr/>
+          <p:nvPr/>
+        </p:nvCxnSpPr>
+        <p:spPr>
+          <a:xfrm>
+            <a:off x="2484120" y="4415790"/>
+            <a:ext cx="7978140" cy="0"/>
+          </a:xfrm>
+          <a:prstGeom prst="line">
+            <a:avLst/>
+          </a:prstGeom>
+        </p:spPr>
+        <p:style>
+          <a:lnRef idx="1">
+            <a:schemeClr val="accent1"/>
+          </a:lnRef>
+          <a:fillRef idx="0">
+            <a:schemeClr val="accent1"/>
+          </a:fillRef>
+          <a:effectRef idx="0">
+            <a:schemeClr val="accent1"/>
+          </a:effectRef>
+          <a:fontRef idx="minor">
+            <a:schemeClr val="tx1"/>
+          </a:fontRef>
+        </p:style>
+      </p:cxnSp>
+      <p:cxnSp>
+        <p:nvCxnSpPr>
+          <p:cNvPr id="8" name="Straight Connector 7">
+            <a:extLst>
+              <a:ext uri="{FF2B5EF4-FFF2-40B4-BE49-F238E27FC236}">
+                <a16:creationId xmlns:a16="http://schemas.microsoft.com/office/drawing/2014/main" id="{C9F24312-DA9D-6A40-AACA-8D2EB107C02E}"/>
+              </a:ext>
+            </a:extLst>
+          </p:cNvPr>
+          <p:cNvCxnSpPr/>
+          <p:nvPr/>
+        </p:nvCxnSpPr>
+        <p:spPr>
+          <a:xfrm>
+            <a:off x="2503170" y="1508760"/>
+            <a:ext cx="7978140" cy="0"/>
+          </a:xfrm>
+          <a:prstGeom prst="line">
+            <a:avLst/>
+          </a:prstGeom>
+        </p:spPr>
+        <p:style>
+          <a:lnRef idx="1">
+            <a:schemeClr val="accent1"/>
+          </a:lnRef>
+          <a:fillRef idx="0">
+            <a:schemeClr val="accent1"/>
+          </a:fillRef>
+          <a:effectRef idx="0">
+            <a:schemeClr val="accent1"/>
+          </a:effectRef>
+          <a:fontRef idx="minor">
+            <a:schemeClr val="tx1"/>
+          </a:fontRef>
+        </p:style>
+      </p:cxnSp>
+      <p:cxnSp>
+        <p:nvCxnSpPr>
+          <p:cNvPr id="9" name="Straight Connector 8">
+            <a:extLst>
+              <a:ext uri="{FF2B5EF4-FFF2-40B4-BE49-F238E27FC236}">
+                <a16:creationId xmlns:a16="http://schemas.microsoft.com/office/drawing/2014/main" id="{AEA65B16-8C02-A54B-AA1F-E97378585F9B}"/>
+              </a:ext>
+            </a:extLst>
+          </p:cNvPr>
+          <p:cNvCxnSpPr/>
+          <p:nvPr/>
+        </p:nvCxnSpPr>
+        <p:spPr>
+          <a:xfrm>
+            <a:off x="2346960" y="2472690"/>
+            <a:ext cx="7978140" cy="0"/>
+          </a:xfrm>
+          <a:prstGeom prst="line">
+            <a:avLst/>
+          </a:prstGeom>
+        </p:spPr>
+        <p:style>
+          <a:lnRef idx="1">
+            <a:schemeClr val="accent1"/>
+          </a:lnRef>
+          <a:fillRef idx="0">
+            <a:schemeClr val="accent1"/>
+          </a:fillRef>
+          <a:effectRef idx="0">
+            <a:schemeClr val="accent1"/>
+          </a:effectRef>
+          <a:fontRef idx="minor">
+            <a:schemeClr val="tx1"/>
+          </a:fontRef>
+        </p:style>
+      </p:cxnSp>
+      <p:cxnSp>
+        <p:nvCxnSpPr>
+          <p:cNvPr id="10" name="Straight Connector 9">
+            <a:extLst>
+              <a:ext uri="{FF2B5EF4-FFF2-40B4-BE49-F238E27FC236}">
+                <a16:creationId xmlns:a16="http://schemas.microsoft.com/office/drawing/2014/main" id="{7C1F04F7-B1B5-B346-9D46-BCAAF3B893E4}"/>
+              </a:ext>
+            </a:extLst>
+          </p:cNvPr>
+          <p:cNvCxnSpPr/>
+          <p:nvPr/>
+        </p:nvCxnSpPr>
+        <p:spPr>
+          <a:xfrm>
+            <a:off x="2651760" y="5406390"/>
+            <a:ext cx="7978140" cy="0"/>
+          </a:xfrm>
+          <a:prstGeom prst="line">
+            <a:avLst/>
+          </a:prstGeom>
+        </p:spPr>
+        <p:style>
+          <a:lnRef idx="1">
+            <a:schemeClr val="accent1"/>
+          </a:lnRef>
+          <a:fillRef idx="0">
+            <a:schemeClr val="accent1"/>
+          </a:fillRef>
+          <a:effectRef idx="0">
+            <a:schemeClr val="accent1"/>
+          </a:effectRef>
+          <a:fontRef idx="minor">
+            <a:schemeClr val="tx1"/>
+          </a:fontRef>
+        </p:style>
+      </p:cxnSp>
+      <p:sp>
+        <p:nvSpPr>
+          <p:cNvPr id="11" name="TextBox 10">
+            <a:extLst>
+              <a:ext uri="{FF2B5EF4-FFF2-40B4-BE49-F238E27FC236}">
+                <a16:creationId xmlns:a16="http://schemas.microsoft.com/office/drawing/2014/main" id="{53A0E203-6EF5-E244-9328-D70A36E1EAD9}"/>
+              </a:ext>
+            </a:extLst>
+          </p:cNvPr>
+          <p:cNvSpPr txBox="1"/>
+          <p:nvPr/>
+        </p:nvSpPr>
+        <p:spPr>
+          <a:xfrm>
+            <a:off x="3766185" y="700088"/>
+            <a:ext cx="4663440" cy="646331"/>
+          </a:xfrm>
+          <a:prstGeom prst="rect">
+            <a:avLst/>
+          </a:prstGeom>
+          <a:solidFill>
+            <a:schemeClr val="accent1">
+              <a:alpha val="55000"/>
+            </a:schemeClr>
+          </a:solidFill>
+          <a:ln w="22225" cap="rnd">
+            <a:solidFill>
+              <a:schemeClr val="accent1"/>
+            </a:solidFill>
+          </a:ln>
+          <a:effectLst>
+            <a:outerShdw blurRad="50800" dist="38100" dir="2700000" algn="tl" rotWithShape="0">
+              <a:prstClr val="black">
+                <a:alpha val="40000"/>
+              </a:prstClr>
+            </a:outerShdw>
+          </a:effectLst>
+        </p:spPr>
+        <p:txBody>
+          <a:bodyPr wrap="square" rtlCol="0">
+            <a:spAutoFit/>
+          </a:bodyPr>
+          <a:lstStyle/>
+          <a:p>
+            <a:pPr algn="ctr"/>
+            <a:r>
+              <a:rPr lang="en-US" sz="3600" b="1" dirty="0">
+                <a:solidFill>
+                  <a:schemeClr val="bg1"/>
+                </a:solidFill>
+              </a:rPr>
+              <a:t>HANG IN THERE!</a:t>
+            </a:r>
+          </a:p>
+        </p:txBody>
+      </p:sp>
+      <p:sp>
+        <p:nvSpPr>
+          <p:cNvPr id="13" name="TextBox 12">
+            <a:extLst>
+              <a:ext uri="{FF2B5EF4-FFF2-40B4-BE49-F238E27FC236}">
+                <a16:creationId xmlns:a16="http://schemas.microsoft.com/office/drawing/2014/main" id="{E6181F21-F649-4E46-BEE8-6659BACEA922}"/>
+              </a:ext>
+            </a:extLst>
+          </p:cNvPr>
+          <p:cNvSpPr txBox="1"/>
+          <p:nvPr/>
+        </p:nvSpPr>
+        <p:spPr>
+          <a:xfrm>
+            <a:off x="3678555" y="2635568"/>
+            <a:ext cx="1727835" cy="584775"/>
+          </a:xfrm>
+          <a:prstGeom prst="rect">
+            <a:avLst/>
+          </a:prstGeom>
+          <a:solidFill>
+            <a:schemeClr val="accent1">
+              <a:alpha val="55000"/>
+            </a:schemeClr>
+          </a:solidFill>
+          <a:ln w="22225" cap="rnd">
+            <a:solidFill>
+              <a:schemeClr val="accent1"/>
+            </a:solidFill>
+          </a:ln>
+          <a:effectLst>
+            <a:outerShdw blurRad="50800" dist="38100" dir="2700000" algn="tl" rotWithShape="0">
+              <a:prstClr val="black">
+                <a:alpha val="40000"/>
+              </a:prstClr>
+            </a:outerShdw>
+          </a:effectLst>
+        </p:spPr>
+        <p:txBody>
+          <a:bodyPr wrap="square" rtlCol="0">
+            <a:spAutoFit/>
+          </a:bodyPr>
+          <a:lstStyle/>
+          <a:p>
+            <a:pPr algn="ctr"/>
+            <a:r>
+              <a:rPr lang="en-US" sz="3200" b="1" dirty="0">
+                <a:solidFill>
+                  <a:schemeClr val="bg1"/>
+                </a:solidFill>
+              </a:rPr>
+              <a:t>Incorrect</a:t>
+            </a:r>
+          </a:p>
+        </p:txBody>
+      </p:sp>
+      <p:sp>
+        <p:nvSpPr>
+          <p:cNvPr id="14" name="TextBox 13">
+            <a:extLst>
+              <a:ext uri="{FF2B5EF4-FFF2-40B4-BE49-F238E27FC236}">
+                <a16:creationId xmlns:a16="http://schemas.microsoft.com/office/drawing/2014/main" id="{D8C5C879-9E33-5144-9599-C48F3FD82BFC}"/>
+              </a:ext>
+            </a:extLst>
+          </p:cNvPr>
+          <p:cNvSpPr txBox="1"/>
+          <p:nvPr/>
+        </p:nvSpPr>
+        <p:spPr>
+          <a:xfrm>
+            <a:off x="6859905" y="2686050"/>
+            <a:ext cx="1609725" cy="523220"/>
+          </a:xfrm>
+          <a:prstGeom prst="rect">
+            <a:avLst/>
+          </a:prstGeom>
+          <a:solidFill>
+            <a:schemeClr val="accent1">
+              <a:alpha val="55000"/>
+            </a:schemeClr>
+          </a:solidFill>
+          <a:ln w="22225" cap="rnd">
+            <a:solidFill>
+              <a:schemeClr val="accent1"/>
+            </a:solidFill>
+          </a:ln>
+          <a:effectLst>
+            <a:outerShdw blurRad="50800" dist="38100" dir="2700000" algn="tl" rotWithShape="0">
+              <a:prstClr val="black">
+                <a:alpha val="40000"/>
+              </a:prstClr>
+            </a:outerShdw>
+          </a:effectLst>
+        </p:spPr>
+        <p:txBody>
+          <a:bodyPr wrap="square" rtlCol="0">
+            <a:spAutoFit/>
+          </a:bodyPr>
+          <a:lstStyle/>
+          <a:p>
+            <a:pPr algn="ctr"/>
+            <a:r>
+              <a:rPr lang="en-US" sz="2800" b="1" dirty="0">
+                <a:solidFill>
+                  <a:schemeClr val="bg1"/>
+                </a:solidFill>
+              </a:rPr>
+              <a:t>Try Again</a:t>
+            </a:r>
+          </a:p>
+        </p:txBody>
+      </p:sp>
+    </p:spTree>
+    <p:extLst>
+      <p:ext uri="{BB962C8B-B14F-4D97-AF65-F5344CB8AC3E}">
+        <p14:creationId xmlns:p14="http://schemas.microsoft.com/office/powerpoint/2010/main" val="2185930266"/>
       </p:ext>
     </p:extLst>
   </p:cSld>
